--- a/eece2160/sp16/lectures/eece.2160sp16_lec8_range_switch.pptx
+++ b/eece2160/sp16/lectures/eece.2160sp16_lec8_range_switch.pptx
@@ -1337,7 +1337,7 @@
             <a:fld id="{5C070B58-C8C1-8C4F-8E2A-E2C0A5BE8827}" type="datetime1">
               <a:rPr lang="en-US"/>
               <a:pPr/>
-              <a:t>2/3/16</a:t>
+              <a:t>2/9/16</a:t>
             </a:fld>
             <a:endParaRPr lang="en-US"/>
           </a:p>
@@ -1534,7 +1534,7 @@
             <a:fld id="{3861A409-4397-FE42-B14A-D10D23713121}" type="datetime1">
               <a:rPr lang="en-US"/>
               <a:pPr/>
-              <a:t>2/3/16</a:t>
+              <a:t>2/9/16</a:t>
             </a:fld>
             <a:endParaRPr lang="en-US"/>
           </a:p>
@@ -1740,7 +1740,7 @@
             <a:fld id="{020C4EFE-BEE9-E34D-8E69-3EB9734E61E9}" type="datetime1">
               <a:rPr lang="en-US"/>
               <a:pPr/>
-              <a:t>2/3/16</a:t>
+              <a:t>2/9/16</a:t>
             </a:fld>
             <a:endParaRPr lang="en-US"/>
           </a:p>
@@ -2003,7 +2003,7 @@
             <a:fld id="{7CA3AC27-A497-A44A-89A1-B0F8EBEE47C2}" type="datetime1">
               <a:rPr lang="en-US"/>
               <a:pPr/>
-              <a:t>2/3/16</a:t>
+              <a:t>2/9/16</a:t>
             </a:fld>
             <a:endParaRPr lang="en-US"/>
           </a:p>
@@ -2266,7 +2266,7 @@
             <a:fld id="{F6603EF2-D514-8F4C-841E-2D8DC6BA21DA}" type="datetime1">
               <a:rPr lang="en-US"/>
               <a:pPr/>
-              <a:t>2/3/16</a:t>
+              <a:t>2/9/16</a:t>
             </a:fld>
             <a:endParaRPr lang="en-US"/>
           </a:p>
@@ -2462,7 +2462,7 @@
             <a:fld id="{53C98EA7-8C56-4B42-8A0D-039289745663}" type="datetime1">
               <a:rPr lang="en-US"/>
               <a:pPr/>
-              <a:t>2/3/16</a:t>
+              <a:t>2/9/16</a:t>
             </a:fld>
             <a:endParaRPr lang="en-US"/>
           </a:p>
@@ -2680,7 +2680,7 @@
             <a:fld id="{24A351FC-2FDD-6C42-B989-EA3C8ED6CD28}" type="datetime1">
               <a:rPr lang="en-US"/>
               <a:pPr/>
-              <a:t>2/3/16</a:t>
+              <a:t>2/9/16</a:t>
             </a:fld>
             <a:endParaRPr lang="en-US"/>
           </a:p>
@@ -2994,7 +2994,7 @@
             <a:fld id="{A02119D3-B89C-6847-A592-DE2B0F6966BA}" type="datetime1">
               <a:rPr lang="en-US"/>
               <a:pPr/>
-              <a:t>2/3/16</a:t>
+              <a:t>2/9/16</a:t>
             </a:fld>
             <a:endParaRPr lang="en-US"/>
           </a:p>
@@ -3447,7 +3447,7 @@
             <a:fld id="{87F528F3-5E2F-A546-B688-1416183D9CF5}" type="datetime1">
               <a:rPr lang="en-US"/>
               <a:pPr/>
-              <a:t>2/3/16</a:t>
+              <a:t>2/9/16</a:t>
             </a:fld>
             <a:endParaRPr lang="en-US"/>
           </a:p>
@@ -3591,7 +3591,7 @@
             <a:fld id="{A47B2888-7BC9-F540-A14D-B72D1C04FC85}" type="datetime1">
               <a:rPr lang="en-US"/>
               <a:pPr/>
-              <a:t>2/3/16</a:t>
+              <a:t>2/9/16</a:t>
             </a:fld>
             <a:endParaRPr lang="en-US"/>
           </a:p>
@@ -3712,7 +3712,7 @@
             <a:fld id="{51F3742C-B8D7-C043-B3F7-DAD91995C815}" type="datetime1">
               <a:rPr lang="en-US"/>
               <a:pPr/>
-              <a:t>2/3/16</a:t>
+              <a:t>2/9/16</a:t>
             </a:fld>
             <a:endParaRPr lang="en-US"/>
           </a:p>
@@ -4015,7 +4015,7 @@
             <a:fld id="{2E5C12A0-2F26-6246-87D0-8E8DF43D1084}" type="datetime1">
               <a:rPr lang="en-US"/>
               <a:pPr/>
-              <a:t>2/3/16</a:t>
+              <a:t>2/9/16</a:t>
             </a:fld>
             <a:endParaRPr lang="en-US"/>
           </a:p>
@@ -4295,7 +4295,7 @@
             <a:fld id="{1BB23DE5-0280-AE4D-BCF0-439A28665313}" type="datetime1">
               <a:rPr lang="en-US"/>
               <a:pPr/>
-              <a:t>2/3/16</a:t>
+              <a:t>2/9/16</a:t>
             </a:fld>
             <a:endParaRPr lang="en-US"/>
           </a:p>
@@ -4594,7 +4594,7 @@
             <a:fld id="{5C9B151F-D2DF-B445-8CBC-1783D62CADBD}" type="datetime1">
               <a:rPr lang="en-US"/>
               <a:pPr/>
-              <a:t>2/3/16</a:t>
+              <a:t>2/9/16</a:t>
             </a:fld>
             <a:endParaRPr lang="en-US"/>
           </a:p>
@@ -5819,7 +5819,7 @@
                 <a:latin typeface="Garamond" charset="0"/>
               </a:rPr>
               <a:pPr eaLnBrk="1" hangingPunct="1"/>
-              <a:t>2/3/16</a:t>
+              <a:t>2/9/16</a:t>
             </a:fld>
             <a:endParaRPr lang="en-US">
               <a:latin typeface="Garamond" charset="0"/>
@@ -6889,7 +6889,7 @@
                 <a:latin typeface="Garamond" charset="0"/>
               </a:rPr>
               <a:pPr eaLnBrk="1" hangingPunct="1"/>
-              <a:t>2/3/16</a:t>
+              <a:t>2/9/16</a:t>
             </a:fld>
             <a:endParaRPr lang="en-US">
               <a:latin typeface="Garamond" charset="0"/>
@@ -7644,7 +7644,7 @@
                 <a:latin typeface="Garamond" charset="0"/>
               </a:rPr>
               <a:pPr eaLnBrk="1" hangingPunct="1"/>
-              <a:t>2/3/16</a:t>
+              <a:t>2/9/16</a:t>
             </a:fld>
             <a:endParaRPr lang="en-US">
               <a:latin typeface="Garamond" charset="0"/>
@@ -8055,7 +8055,7 @@
                 <a:latin typeface="Garamond" charset="0"/>
               </a:rPr>
               <a:pPr eaLnBrk="1" hangingPunct="1"/>
-              <a:t>2/3/16</a:t>
+              <a:t>2/9/16</a:t>
             </a:fld>
             <a:endParaRPr lang="en-US">
               <a:latin typeface="Garamond" charset="0"/>
@@ -8817,7 +8817,7 @@
                 <a:latin typeface="Garamond" charset="0"/>
               </a:rPr>
               <a:pPr eaLnBrk="1" hangingPunct="1"/>
-              <a:t>2/3/16</a:t>
+              <a:t>2/9/16</a:t>
             </a:fld>
             <a:endParaRPr lang="en-US">
               <a:latin typeface="Garamond" charset="0"/>
@@ -9332,7 +9332,7 @@
                 <a:latin typeface="Garamond" charset="0"/>
               </a:rPr>
               <a:pPr eaLnBrk="1" hangingPunct="1"/>
-              <a:t>2/3/16</a:t>
+              <a:t>2/9/16</a:t>
             </a:fld>
             <a:endParaRPr lang="en-US">
               <a:latin typeface="Garamond" charset="0"/>
@@ -10069,7 +10069,7 @@
                 <a:latin typeface="Garamond" charset="0"/>
               </a:rPr>
               <a:pPr eaLnBrk="1" hangingPunct="1"/>
-              <a:t>2/3/16</a:t>
+              <a:t>2/9/16</a:t>
             </a:fld>
             <a:endParaRPr lang="en-US">
               <a:latin typeface="Garamond" charset="0"/>
@@ -10726,7 +10726,7 @@
                 <a:latin typeface="Garamond" charset="0"/>
               </a:rPr>
               <a:pPr eaLnBrk="1" hangingPunct="1"/>
-              <a:t>2/3/16</a:t>
+              <a:t>2/9/16</a:t>
             </a:fld>
             <a:endParaRPr lang="en-US">
               <a:latin typeface="Garamond" charset="0"/>
@@ -11394,7 +11394,7 @@
                 <a:latin typeface="Garamond" charset="0"/>
               </a:rPr>
               <a:pPr eaLnBrk="1" hangingPunct="1"/>
-              <a:t>2/3/16</a:t>
+              <a:t>2/9/16</a:t>
             </a:fld>
             <a:endParaRPr lang="en-US">
               <a:latin typeface="Garamond" charset="0"/>
@@ -12340,7 +12340,7 @@
                 <a:latin typeface="Garamond" charset="0"/>
               </a:rPr>
               <a:pPr eaLnBrk="1" hangingPunct="1"/>
-              <a:t>2/3/16</a:t>
+              <a:t>2/9/16</a:t>
             </a:fld>
             <a:endParaRPr lang="en-US">
               <a:latin typeface="Garamond" charset="0"/>
@@ -12606,28 +12606,19 @@
               <a:rPr lang="en-US" dirty="0" smtClean="0">
                 <a:latin typeface="Arial" charset="0"/>
               </a:rPr>
-              <a:t>Program 2 due today</a:t>
-            </a:r>
-          </a:p>
-          <a:p>
-            <a:pPr lvl="1"/>
+              <a:t>Program </a:t>
+            </a:r>
+            <a:r>
+              <a:rPr lang="en-US" dirty="0">
+                <a:latin typeface="Arial" charset="0"/>
+              </a:rPr>
+              <a:t>3 </a:t>
+            </a:r>
             <a:r>
               <a:rPr lang="en-US" dirty="0" smtClean="0">
                 <a:latin typeface="Arial" charset="0"/>
               </a:rPr>
-              <a:t>Program </a:t>
-            </a:r>
-            <a:r>
-              <a:rPr lang="en-US" dirty="0">
-                <a:latin typeface="Arial" charset="0"/>
-              </a:rPr>
-              <a:t>3 </a:t>
-            </a:r>
-            <a:r>
-              <a:rPr lang="en-US" dirty="0" smtClean="0">
-                <a:latin typeface="Arial" charset="0"/>
-              </a:rPr>
-              <a:t>due 2/12</a:t>
+              <a:t>due 2/17</a:t>
             </a:r>
             <a:endParaRPr lang="en-US" dirty="0">
               <a:latin typeface="Arial" charset="0"/>
@@ -12651,7 +12642,7 @@
               <a:rPr lang="en-US" dirty="0" smtClean="0">
                 <a:latin typeface="Arial" charset="0"/>
               </a:rPr>
-              <a:t>Wednesday, 2/17</a:t>
+              <a:t>Friday, 2/19</a:t>
             </a:r>
             <a:endParaRPr lang="en-US" dirty="0">
               <a:latin typeface="Arial" charset="0"/>
@@ -12663,8 +12654,32 @@
               <a:rPr lang="en-US" dirty="0">
                 <a:latin typeface="Arial" charset="0"/>
               </a:rPr>
-              <a:t>Will be allowed one double-sided 8.5” x 11” note sheet</a:t>
-            </a:r>
+              <a:t>Will be allowed one double-sided 8.5” x 11” note </a:t>
+            </a:r>
+            <a:r>
+              <a:rPr lang="en-US" dirty="0" smtClean="0">
+                <a:latin typeface="Arial" charset="0"/>
+              </a:rPr>
+              <a:t>sheet</a:t>
+            </a:r>
+          </a:p>
+          <a:p>
+            <a:pPr lvl="2"/>
+            <a:r>
+              <a:rPr lang="en-US" dirty="0">
+                <a:latin typeface="Arial" charset="0"/>
+              </a:rPr>
+              <a:t>No calculators or other electronic devices </a:t>
+            </a:r>
+            <a:r>
+              <a:rPr lang="en-US" dirty="0" smtClean="0">
+                <a:latin typeface="Arial" charset="0"/>
+              </a:rPr>
+              <a:t>allowed</a:t>
+            </a:r>
+            <a:endParaRPr lang="en-US" dirty="0">
+              <a:latin typeface="Arial" charset="0"/>
+            </a:endParaRPr>
           </a:p>
           <a:p>
             <a:r>
@@ -12856,7 +12871,7 @@
                 <a:latin typeface="Garamond" charset="0"/>
               </a:rPr>
               <a:pPr eaLnBrk="1" hangingPunct="1"/>
-              <a:t>2/3/16</a:t>
+              <a:t>2/9/16</a:t>
             </a:fld>
             <a:endParaRPr lang="en-US">
               <a:latin typeface="Garamond" charset="0"/>
@@ -13361,7 +13376,7 @@
                 <a:latin typeface="Garamond" charset="0"/>
               </a:rPr>
               <a:pPr eaLnBrk="1" hangingPunct="1"/>
-              <a:t>2/3/16</a:t>
+              <a:t>2/9/16</a:t>
             </a:fld>
             <a:endParaRPr lang="en-US">
               <a:latin typeface="Garamond" charset="0"/>
@@ -14054,7 +14069,7 @@
                 <a:latin typeface="Garamond" charset="0"/>
               </a:rPr>
               <a:pPr eaLnBrk="1" hangingPunct="1"/>
-              <a:t>2/3/16</a:t>
+              <a:t>2/9/16</a:t>
             </a:fld>
             <a:endParaRPr lang="en-US">
               <a:latin typeface="Garamond" charset="0"/>
@@ -15011,7 +15026,7 @@
                 <a:latin typeface="Garamond" charset="0"/>
               </a:rPr>
               <a:pPr eaLnBrk="1" hangingPunct="1"/>
-              <a:t>2/3/16</a:t>
+              <a:t>2/9/16</a:t>
             </a:fld>
             <a:endParaRPr lang="en-US">
               <a:latin typeface="Garamond" charset="0"/>
@@ -15297,47 +15312,85 @@
               <a:rPr lang="en-US" dirty="0" smtClean="0">
                 <a:latin typeface="Arial" charset="0"/>
               </a:rPr>
-              <a:t>Program 2 </a:t>
-            </a:r>
-            <a:r>
-              <a:rPr lang="en-US" smtClean="0">
-                <a:latin typeface="Arial" charset="0"/>
-              </a:rPr>
-              <a:t>due today</a:t>
-            </a:r>
+              <a:t>Program </a:t>
+            </a:r>
+            <a:r>
+              <a:rPr lang="en-US" dirty="0">
+                <a:latin typeface="Arial" charset="0"/>
+              </a:rPr>
+              <a:t>3 due 2/</a:t>
+            </a:r>
+            <a:r>
+              <a:rPr lang="en-US" dirty="0" smtClean="0">
+                <a:latin typeface="Arial" charset="0"/>
+              </a:rPr>
+              <a:t>17</a:t>
+            </a:r>
+            <a:endParaRPr lang="en-US" dirty="0">
+              <a:latin typeface="Arial" charset="0"/>
+            </a:endParaRPr>
           </a:p>
           <a:p>
             <a:pPr lvl="1"/>
             <a:r>
+              <a:rPr lang="en-US" dirty="0">
+                <a:latin typeface="Arial" charset="0"/>
+              </a:rPr>
+              <a:t>Exam 1: </a:t>
+            </a:r>
+            <a:r>
               <a:rPr lang="en-US" dirty="0" smtClean="0">
                 <a:latin typeface="Arial" charset="0"/>
               </a:rPr>
-              <a:t>Program </a:t>
+              <a:t>Friday, </a:t>
             </a:r>
             <a:r>
               <a:rPr lang="en-US" dirty="0">
                 <a:latin typeface="Arial" charset="0"/>
               </a:rPr>
-              <a:t>3 due 2/12</a:t>
-            </a:r>
-          </a:p>
-          <a:p>
-            <a:pPr lvl="1"/>
+              <a:t>2/</a:t>
+            </a:r>
+            <a:r>
+              <a:rPr lang="en-US" dirty="0" smtClean="0">
+                <a:latin typeface="Arial" charset="0"/>
+              </a:rPr>
+              <a:t>19</a:t>
+            </a:r>
+            <a:endParaRPr lang="en-US" dirty="0">
+              <a:latin typeface="Arial" charset="0"/>
+            </a:endParaRPr>
+          </a:p>
+          <a:p>
+            <a:pPr lvl="2"/>
             <a:r>
               <a:rPr lang="en-US" dirty="0">
                 <a:latin typeface="Arial" charset="0"/>
               </a:rPr>
-              <a:t>Exam 1: Wednesday, 2/17</a:t>
+              <a:t>Will be allowed one double-sided 8.5” x 11” note </a:t>
+            </a:r>
+            <a:r>
+              <a:rPr lang="en-US" dirty="0" smtClean="0">
+                <a:latin typeface="Arial" charset="0"/>
+              </a:rPr>
+              <a:t>sheet</a:t>
             </a:r>
           </a:p>
           <a:p>
             <a:pPr lvl="2"/>
             <a:r>
-              <a:rPr lang="en-US" dirty="0">
-                <a:latin typeface="Arial" charset="0"/>
-              </a:rPr>
-              <a:t>Will be allowed one double-sided 8.5” x 11” note sheet</a:t>
-            </a:r>
+              <a:rPr lang="en-US">
+                <a:latin typeface="Arial" charset="0"/>
+              </a:rPr>
+              <a:t>No calculators or other electronic devices allowed</a:t>
+            </a:r>
+          </a:p>
+          <a:p>
+            <a:pPr marL="671512" lvl="2" indent="0">
+              <a:buNone/>
+            </a:pPr>
+            <a:endParaRPr lang="en-US" dirty="0">
+              <a:latin typeface="Arial" charset="0"/>
+            </a:endParaRPr>
           </a:p>
         </p:txBody>
       </p:sp>
@@ -15477,7 +15530,7 @@
                 <a:latin typeface="Garamond" charset="0"/>
               </a:rPr>
               <a:pPr eaLnBrk="1" hangingPunct="1"/>
-              <a:t>2/3/16</a:t>
+              <a:t>2/9/16</a:t>
             </a:fld>
             <a:endParaRPr lang="en-US">
               <a:latin typeface="Garamond" charset="0"/>
@@ -16181,7 +16234,7 @@
                 <a:latin typeface="Garamond" charset="0"/>
               </a:rPr>
               <a:pPr eaLnBrk="1" hangingPunct="1"/>
-              <a:t>2/3/16</a:t>
+              <a:t>2/9/16</a:t>
             </a:fld>
             <a:endParaRPr lang="en-US">
               <a:latin typeface="Garamond" charset="0"/>
@@ -16865,7 +16918,7 @@
                 <a:latin typeface="Garamond" charset="0"/>
               </a:rPr>
               <a:pPr eaLnBrk="1" hangingPunct="1"/>
-              <a:t>2/3/16</a:t>
+              <a:t>2/9/16</a:t>
             </a:fld>
             <a:endParaRPr lang="en-US">
               <a:latin typeface="Garamond" charset="0"/>
@@ -17494,7 +17547,7 @@
                 <a:latin typeface="Garamond" charset="0"/>
               </a:rPr>
               <a:pPr eaLnBrk="1" hangingPunct="1"/>
-              <a:t>2/3/16</a:t>
+              <a:t>2/9/16</a:t>
             </a:fld>
             <a:endParaRPr lang="en-US">
               <a:latin typeface="Garamond" charset="0"/>
@@ -18171,7 +18224,7 @@
                 <a:latin typeface="Garamond" charset="0"/>
               </a:rPr>
               <a:pPr eaLnBrk="1" hangingPunct="1"/>
-              <a:t>2/3/16</a:t>
+              <a:t>2/9/16</a:t>
             </a:fld>
             <a:endParaRPr lang="en-US">
               <a:latin typeface="Garamond" charset="0"/>
@@ -18845,7 +18898,7 @@
                 <a:latin typeface="Garamond" charset="0"/>
               </a:rPr>
               <a:pPr eaLnBrk="1" hangingPunct="1"/>
-              <a:t>2/3/16</a:t>
+              <a:t>2/9/16</a:t>
             </a:fld>
             <a:endParaRPr lang="en-US">
               <a:latin typeface="Garamond" charset="0"/>
@@ -19473,7 +19526,7 @@
                 <a:latin typeface="Garamond" charset="0"/>
               </a:rPr>
               <a:pPr eaLnBrk="1" hangingPunct="1"/>
-              <a:t>2/3/16</a:t>
+              <a:t>2/9/16</a:t>
             </a:fld>
             <a:endParaRPr lang="en-US">
               <a:latin typeface="Garamond" charset="0"/>
@@ -20175,7 +20228,7 @@
                 <a:latin typeface="Garamond" charset="0"/>
               </a:rPr>
               <a:pPr eaLnBrk="1" hangingPunct="1"/>
-              <a:t>2/3/16</a:t>
+              <a:t>2/9/16</a:t>
             </a:fld>
             <a:endParaRPr lang="en-US">
               <a:latin typeface="Garamond" charset="0"/>
